--- a/trunk/documentation/draft/ci-environment/block-build.pptx
+++ b/trunk/documentation/draft/ci-environment/block-build.pptx
@@ -192,7 +192,7 @@
           <a:p>
             <a:fld id="{FAB6B8E2-0BF4-404A-B9B9-B01998036F22}" type="datetimeFigureOut">
               <a:rPr lang="ko-KR" altLang="en-US" smtClean="0"/>
-              <a:t>2012-04-27</a:t>
+              <a:t>2012-09-02</a:t>
             </a:fld>
             <a:endParaRPr lang="ko-KR" altLang="en-US"/>
           </a:p>
@@ -504,6 +504,60 @@
           <a:bodyPr/>
           <a:lstStyle/>
           <a:p>
+            <a:r>
+              <a:rPr lang="en-US" altLang="ko-KR" dirty="0" smtClean="0"/>
+              <a:t>Check upstream: </a:t>
+            </a:r>
+            <a:r>
+              <a:rPr lang="ko-KR" altLang="en-US" dirty="0" smtClean="0"/>
+              <a:t>선행</a:t>
+            </a:r>
+            <a:r>
+              <a:rPr lang="ko-KR" altLang="en-US" baseline="0" dirty="0" smtClean="0"/>
+              <a:t> </a:t>
+            </a:r>
+            <a:r>
+              <a:rPr lang="en-US" altLang="ko-KR" baseline="0" dirty="0" smtClean="0"/>
+              <a:t>Job</a:t>
+            </a:r>
+            <a:r>
+              <a:rPr lang="ko-KR" altLang="en-US" baseline="0" dirty="0" smtClean="0"/>
+              <a:t>을 모니터링</a:t>
+            </a:r>
+            <a:endParaRPr lang="en-US" altLang="ko-KR" baseline="0" dirty="0" smtClean="0"/>
+          </a:p>
+          <a:p>
+            <a:r>
+              <a:rPr lang="en-US" altLang="ko-KR" baseline="0" dirty="0" smtClean="0"/>
+              <a:t>Check downstream: </a:t>
+            </a:r>
+            <a:r>
+              <a:rPr lang="ko-KR" altLang="en-US" baseline="0" dirty="0" smtClean="0"/>
+              <a:t>후행 </a:t>
+            </a:r>
+            <a:r>
+              <a:rPr lang="en-US" altLang="ko-KR" baseline="0" dirty="0" smtClean="0"/>
+              <a:t>Job</a:t>
+            </a:r>
+            <a:r>
+              <a:rPr lang="ko-KR" altLang="en-US" baseline="0" dirty="0" smtClean="0"/>
+              <a:t>을 모니터링</a:t>
+            </a:r>
+            <a:endParaRPr lang="en-US" altLang="ko-KR" baseline="0" dirty="0" smtClean="0"/>
+          </a:p>
+          <a:p>
+            <a:r>
+              <a:rPr lang="ko-KR" altLang="en-US" baseline="0" dirty="0" smtClean="0"/>
+              <a:t>공유 자원에 대한 복수 </a:t>
+            </a:r>
+            <a:r>
+              <a:rPr lang="en-US" altLang="ko-KR" baseline="0" dirty="0" smtClean="0"/>
+              <a:t>Job</a:t>
+            </a:r>
+            <a:r>
+              <a:rPr lang="ko-KR" altLang="en-US" baseline="0" dirty="0" smtClean="0"/>
+              <a:t>의 접근을 허용함</a:t>
+            </a:r>
             <a:endParaRPr lang="ko-KR" altLang="en-US" dirty="0"/>
           </a:p>
         </p:txBody>
@@ -725,7 +779,7 @@
           <a:p>
             <a:fld id="{0FECDC9F-8C3B-4188-AB71-7BFCF11D65C2}" type="datetimeFigureOut">
               <a:rPr lang="ko-KR" altLang="en-US" smtClean="0"/>
-              <a:t>2012-04-27</a:t>
+              <a:t>2012-09-02</a:t>
             </a:fld>
             <a:endParaRPr lang="ko-KR" altLang="en-US"/>
           </a:p>
@@ -895,7 +949,7 @@
           <a:p>
             <a:fld id="{0FECDC9F-8C3B-4188-AB71-7BFCF11D65C2}" type="datetimeFigureOut">
               <a:rPr lang="ko-KR" altLang="en-US" smtClean="0"/>
-              <a:t>2012-04-27</a:t>
+              <a:t>2012-09-02</a:t>
             </a:fld>
             <a:endParaRPr lang="ko-KR" altLang="en-US"/>
           </a:p>
@@ -1075,7 +1129,7 @@
           <a:p>
             <a:fld id="{0FECDC9F-8C3B-4188-AB71-7BFCF11D65C2}" type="datetimeFigureOut">
               <a:rPr lang="ko-KR" altLang="en-US" smtClean="0"/>
-              <a:t>2012-04-27</a:t>
+              <a:t>2012-09-02</a:t>
             </a:fld>
             <a:endParaRPr lang="ko-KR" altLang="en-US"/>
           </a:p>
@@ -1245,7 +1299,7 @@
           <a:p>
             <a:fld id="{0FECDC9F-8C3B-4188-AB71-7BFCF11D65C2}" type="datetimeFigureOut">
               <a:rPr lang="ko-KR" altLang="en-US" smtClean="0"/>
-              <a:t>2012-04-27</a:t>
+              <a:t>2012-09-02</a:t>
             </a:fld>
             <a:endParaRPr lang="ko-KR" altLang="en-US"/>
           </a:p>
@@ -1491,7 +1545,7 @@
           <a:p>
             <a:fld id="{0FECDC9F-8C3B-4188-AB71-7BFCF11D65C2}" type="datetimeFigureOut">
               <a:rPr lang="ko-KR" altLang="en-US" smtClean="0"/>
-              <a:t>2012-04-27</a:t>
+              <a:t>2012-09-02</a:t>
             </a:fld>
             <a:endParaRPr lang="ko-KR" altLang="en-US"/>
           </a:p>
@@ -1779,7 +1833,7 @@
           <a:p>
             <a:fld id="{0FECDC9F-8C3B-4188-AB71-7BFCF11D65C2}" type="datetimeFigureOut">
               <a:rPr lang="ko-KR" altLang="en-US" smtClean="0"/>
-              <a:t>2012-04-27</a:t>
+              <a:t>2012-09-02</a:t>
             </a:fld>
             <a:endParaRPr lang="ko-KR" altLang="en-US"/>
           </a:p>
@@ -2201,7 +2255,7 @@
           <a:p>
             <a:fld id="{0FECDC9F-8C3B-4188-AB71-7BFCF11D65C2}" type="datetimeFigureOut">
               <a:rPr lang="ko-KR" altLang="en-US" smtClean="0"/>
-              <a:t>2012-04-27</a:t>
+              <a:t>2012-09-02</a:t>
             </a:fld>
             <a:endParaRPr lang="ko-KR" altLang="en-US"/>
           </a:p>
@@ -2319,7 +2373,7 @@
           <a:p>
             <a:fld id="{0FECDC9F-8C3B-4188-AB71-7BFCF11D65C2}" type="datetimeFigureOut">
               <a:rPr lang="ko-KR" altLang="en-US" smtClean="0"/>
-              <a:t>2012-04-27</a:t>
+              <a:t>2012-09-02</a:t>
             </a:fld>
             <a:endParaRPr lang="ko-KR" altLang="en-US"/>
           </a:p>
@@ -2414,7 +2468,7 @@
           <a:p>
             <a:fld id="{0FECDC9F-8C3B-4188-AB71-7BFCF11D65C2}" type="datetimeFigureOut">
               <a:rPr lang="ko-KR" altLang="en-US" smtClean="0"/>
-              <a:t>2012-04-27</a:t>
+              <a:t>2012-09-02</a:t>
             </a:fld>
             <a:endParaRPr lang="ko-KR" altLang="en-US"/>
           </a:p>
@@ -2691,7 +2745,7 @@
           <a:p>
             <a:fld id="{0FECDC9F-8C3B-4188-AB71-7BFCF11D65C2}" type="datetimeFigureOut">
               <a:rPr lang="ko-KR" altLang="en-US" smtClean="0"/>
-              <a:t>2012-04-27</a:t>
+              <a:t>2012-09-02</a:t>
             </a:fld>
             <a:endParaRPr lang="ko-KR" altLang="en-US"/>
           </a:p>
@@ -2944,7 +2998,7 @@
           <a:p>
             <a:fld id="{0FECDC9F-8C3B-4188-AB71-7BFCF11D65C2}" type="datetimeFigureOut">
               <a:rPr lang="ko-KR" altLang="en-US" smtClean="0"/>
-              <a:t>2012-04-27</a:t>
+              <a:t>2012-09-02</a:t>
             </a:fld>
             <a:endParaRPr lang="ko-KR" altLang="en-US"/>
           </a:p>
@@ -3157,7 +3211,7 @@
           <a:p>
             <a:fld id="{0FECDC9F-8C3B-4188-AB71-7BFCF11D65C2}" type="datetimeFigureOut">
               <a:rPr lang="ko-KR" altLang="en-US" smtClean="0"/>
-              <a:t>2012-04-27</a:t>
+              <a:t>2012-09-02</a:t>
             </a:fld>
             <a:endParaRPr lang="ko-KR" altLang="en-US"/>
           </a:p>
@@ -4075,7 +4129,7 @@
             </a:r>
             <a:r>
               <a:rPr lang="en-US" altLang="ko-KR" sz="1200" dirty="0" smtClean="0"/>
-              <a:t>-web-common-prepare</a:t>
+              <a:t>-report-common-prepare</a:t>
             </a:r>
             <a:endParaRPr lang="ko-KR" altLang="en-US" sz="1200" dirty="0"/>
           </a:p>
@@ -4121,7 +4175,7 @@
             </a:r>
             <a:r>
               <a:rPr lang="en-US" altLang="ko-KR" sz="1200" dirty="0" smtClean="0"/>
-              <a:t>-web-common-publish</a:t>
+              <a:t>-report-common-publish</a:t>
             </a:r>
             <a:endParaRPr lang="ko-KR" altLang="en-US" sz="1200" dirty="0"/>
           </a:p>
@@ -4167,7 +4221,7 @@
             </a:r>
             <a:r>
               <a:rPr lang="en-US" altLang="ko-KR" sz="1200" dirty="0" smtClean="0"/>
-              <a:t>-web-common-restart</a:t>
+              <a:t>-report-common-restart</a:t>
             </a:r>
             <a:endParaRPr lang="ko-KR" altLang="en-US" sz="1200" dirty="0"/>
           </a:p>
@@ -4293,7 +4347,15 @@
             </a:r>
             <a:r>
               <a:rPr lang="en-US" altLang="ko-KR" sz="1200" dirty="0" smtClean="0"/>
-              <a:t>-web-common-prepare</a:t>
+              <a:t>-</a:t>
+            </a:r>
+            <a:r>
+              <a:rPr lang="en-US" altLang="ko-KR" sz="1200" dirty="0" err="1" smtClean="0"/>
+              <a:t>xform</a:t>
+            </a:r>
+            <a:r>
+              <a:rPr lang="en-US" altLang="ko-KR" sz="1200" dirty="0" smtClean="0"/>
+              <a:t>-common-prepare</a:t>
             </a:r>
             <a:endParaRPr lang="ko-KR" altLang="en-US" sz="1200" dirty="0"/>
           </a:p>
@@ -4339,7 +4401,15 @@
             </a:r>
             <a:r>
               <a:rPr lang="en-US" altLang="ko-KR" sz="1200" dirty="0" smtClean="0"/>
-              <a:t>-web-common-publish</a:t>
+              <a:t>-</a:t>
+            </a:r>
+            <a:r>
+              <a:rPr lang="en-US" altLang="ko-KR" sz="1200" dirty="0" err="1" smtClean="0"/>
+              <a:t>xform</a:t>
+            </a:r>
+            <a:r>
+              <a:rPr lang="en-US" altLang="ko-KR" sz="1200" dirty="0" smtClean="0"/>
+              <a:t>-common-publish</a:t>
             </a:r>
             <a:endParaRPr lang="ko-KR" altLang="en-US" sz="1200" dirty="0"/>
           </a:p>
@@ -4385,7 +4455,15 @@
             </a:r>
             <a:r>
               <a:rPr lang="en-US" altLang="ko-KR" sz="1200" dirty="0" smtClean="0"/>
-              <a:t>-web-common-restart</a:t>
+              <a:t>-</a:t>
+            </a:r>
+            <a:r>
+              <a:rPr lang="en-US" altLang="ko-KR" sz="1200" dirty="0" err="1" smtClean="0"/>
+              <a:t>xform</a:t>
+            </a:r>
+            <a:r>
+              <a:rPr lang="en-US" altLang="ko-KR" sz="1200" dirty="0" smtClean="0"/>
+              <a:t>-common-restart</a:t>
             </a:r>
             <a:endParaRPr lang="ko-KR" altLang="en-US" sz="1200" dirty="0"/>
           </a:p>
@@ -4729,15 +4807,7 @@
             </a:r>
             <a:r>
               <a:rPr lang="en-US" altLang="ko-KR" sz="1200" dirty="0" smtClean="0"/>
-              <a:t>-</a:t>
-            </a:r>
-            <a:r>
-              <a:rPr lang="en-US" altLang="ko-KR" sz="1200" dirty="0" err="1" smtClean="0"/>
-              <a:t>cmm</a:t>
-            </a:r>
-            <a:r>
-              <a:rPr lang="en-US" altLang="ko-KR" sz="1200" dirty="0" smtClean="0"/>
-              <a:t>-prepare</a:t>
+              <a:t>-common-prepare</a:t>
             </a:r>
             <a:endParaRPr lang="ko-KR" altLang="en-US" sz="1200" dirty="0"/>
           </a:p>
@@ -4778,20 +4848,12 @@
           <a:p>
             <a:pPr algn="ctr"/>
             <a:r>
-              <a:rPr lang="en-US" altLang="ko-KR" sz="1200" dirty="0" err="1" smtClean="0"/>
+              <a:rPr lang="en-US" altLang="ko-KR" sz="1200" dirty="0" err="1"/>
               <a:t>dev</a:t>
             </a:r>
             <a:r>
-              <a:rPr lang="en-US" altLang="ko-KR" sz="1200" dirty="0" smtClean="0"/>
-              <a:t>-</a:t>
-            </a:r>
-            <a:r>
-              <a:rPr lang="en-US" altLang="ko-KR" sz="1200" dirty="0" err="1" smtClean="0"/>
-              <a:t>cmm</a:t>
-            </a:r>
-            <a:r>
-              <a:rPr lang="en-US" altLang="ko-KR" sz="1200" dirty="0" smtClean="0"/>
-              <a:t>-publish</a:t>
+              <a:rPr lang="en-US" altLang="ko-KR" sz="1200" dirty="0"/>
+              <a:t>-common-publish</a:t>
             </a:r>
             <a:endParaRPr lang="ko-KR" altLang="en-US" sz="1200" dirty="0"/>
           </a:p>
@@ -4832,20 +4894,12 @@
           <a:p>
             <a:pPr algn="ctr"/>
             <a:r>
-              <a:rPr lang="en-US" altLang="ko-KR" sz="1200" dirty="0" err="1" smtClean="0"/>
+              <a:rPr lang="en-US" altLang="ko-KR" sz="1200" dirty="0" err="1"/>
               <a:t>dev</a:t>
             </a:r>
             <a:r>
-              <a:rPr lang="en-US" altLang="ko-KR" sz="1200" dirty="0" smtClean="0"/>
-              <a:t>-</a:t>
-            </a:r>
-            <a:r>
-              <a:rPr lang="en-US" altLang="ko-KR" sz="1200" dirty="0" err="1" smtClean="0"/>
-              <a:t>cmm</a:t>
-            </a:r>
-            <a:r>
-              <a:rPr lang="en-US" altLang="ko-KR" sz="1200" dirty="0" smtClean="0"/>
-              <a:t>-restart</a:t>
+              <a:rPr lang="en-US" altLang="ko-KR" sz="1200" dirty="0"/>
+              <a:t>-common-restart</a:t>
             </a:r>
             <a:endParaRPr lang="ko-KR" altLang="en-US" sz="1200" dirty="0"/>
           </a:p>
@@ -4925,124 +4979,6 @@
           </a:fontRef>
         </p:style>
       </p:cxnSp>
-      <p:sp>
-        <p:nvSpPr>
-          <p:cNvPr id="116" name="모서리가 접힌 도형 115"/>
-          <p:cNvSpPr/>
-          <p:nvPr/>
-        </p:nvSpPr>
-        <p:spPr>
-          <a:xfrm>
-            <a:off x="251519" y="774538"/>
-            <a:ext cx="2810445" cy="1238716"/>
-          </a:xfrm>
-          <a:prstGeom prst="foldedCorner">
-            <a:avLst/>
-          </a:prstGeom>
-        </p:spPr>
-        <p:style>
-          <a:lnRef idx="2">
-            <a:schemeClr val="accent1">
-              <a:shade val="50000"/>
-            </a:schemeClr>
-          </a:lnRef>
-          <a:fillRef idx="1">
-            <a:schemeClr val="accent1"/>
-          </a:fillRef>
-          <a:effectRef idx="0">
-            <a:schemeClr val="accent1"/>
-          </a:effectRef>
-          <a:fontRef idx="minor">
-            <a:schemeClr val="lt1"/>
-          </a:fontRef>
-        </p:style>
-        <p:txBody>
-          <a:bodyPr rtlCol="0" anchor="t" anchorCtr="0"/>
-          <a:lstStyle/>
-          <a:p>
-            <a:r>
-              <a:rPr lang="en-US" altLang="ko-KR" sz="1200" dirty="0" smtClean="0"/>
-              <a:t>block </a:t>
-            </a:r>
-            <a:r>
-              <a:rPr lang="ko-KR" altLang="en-US" sz="1200" dirty="0" smtClean="0"/>
-              <a:t>방식은 </a:t>
-            </a:r>
-            <a:endParaRPr lang="en-US" altLang="ko-KR" sz="1200" dirty="0" smtClean="0"/>
-          </a:p>
-          <a:p>
-            <a:r>
-              <a:rPr lang="ko-KR" altLang="en-US" sz="1200" dirty="0" smtClean="0"/>
-              <a:t>공유 자원에 대한 </a:t>
-            </a:r>
-            <a:endParaRPr lang="en-US" altLang="ko-KR" sz="1200" dirty="0" smtClean="0"/>
-          </a:p>
-          <a:p>
-            <a:r>
-              <a:rPr lang="ko-KR" altLang="en-US" sz="1200" dirty="0" smtClean="0"/>
-              <a:t>복</a:t>
-            </a:r>
-            <a:r>
-              <a:rPr lang="ko-KR" altLang="en-US" sz="1200" dirty="0"/>
-              <a:t>수</a:t>
-            </a:r>
-            <a:r>
-              <a:rPr lang="ko-KR" altLang="en-US" sz="1200" dirty="0" smtClean="0"/>
-              <a:t> </a:t>
-            </a:r>
-            <a:r>
-              <a:rPr lang="en-US" altLang="ko-KR" sz="1200" dirty="0" smtClean="0"/>
-              <a:t>Job </a:t>
-            </a:r>
-            <a:r>
-              <a:rPr lang="ko-KR" altLang="en-US" sz="1200" dirty="0" smtClean="0"/>
-              <a:t>접근 허용 시 사용</a:t>
-            </a:r>
-            <a:endParaRPr lang="en-US" altLang="ko-KR" sz="1200" dirty="0" smtClean="0"/>
-          </a:p>
-          <a:p>
-            <a:endParaRPr lang="en-US" altLang="ko-KR" sz="1200" dirty="0"/>
-          </a:p>
-          <a:p>
-            <a:r>
-              <a:rPr lang="ko-KR" altLang="en-US" sz="1200" dirty="0" smtClean="0"/>
-              <a:t>실행 순서를 따름</a:t>
-            </a:r>
-            <a:endParaRPr lang="en-US" altLang="ko-KR" sz="1200" dirty="0" smtClean="0"/>
-          </a:p>
-          <a:p>
-            <a:r>
-              <a:rPr lang="ko-KR" altLang="en-US" sz="1200" dirty="0" smtClean="0"/>
-              <a:t>선행 </a:t>
-            </a:r>
-            <a:r>
-              <a:rPr lang="en-US" altLang="ko-KR" sz="1200" dirty="0" smtClean="0"/>
-              <a:t>Job, </a:t>
-            </a:r>
-            <a:r>
-              <a:rPr lang="ko-KR" altLang="en-US" sz="1200" dirty="0" smtClean="0"/>
-              <a:t>후행 </a:t>
-            </a:r>
-            <a:r>
-              <a:rPr lang="en-US" altLang="ko-KR" sz="1200" dirty="0" smtClean="0"/>
-              <a:t>Job </a:t>
-            </a:r>
-            <a:r>
-              <a:rPr lang="ko-KR" altLang="en-US" sz="1200" dirty="0" smtClean="0"/>
-              <a:t>완료 후 </a:t>
-            </a:r>
-            <a:r>
-              <a:rPr lang="en-US" altLang="ko-KR" sz="1200" dirty="0" smtClean="0"/>
-              <a:t>Job </a:t>
-            </a:r>
-            <a:r>
-              <a:rPr lang="ko-KR" altLang="en-US" sz="1200" dirty="0" smtClean="0"/>
-              <a:t>실행</a:t>
-            </a:r>
-            <a:endParaRPr lang="ko-KR" altLang="en-US" sz="1200" dirty="0"/>
-          </a:p>
-        </p:txBody>
-      </p:sp>
       <p:cxnSp>
         <p:nvCxnSpPr>
           <p:cNvPr id="117" name="직선 화살표 연결선 116"/>
@@ -7158,86 +7094,6 @@
           </p:txBody>
         </p:sp>
       </p:grpSp>
-      <p:sp>
-        <p:nvSpPr>
-          <p:cNvPr id="46" name="웃는 얼굴 45"/>
-          <p:cNvSpPr/>
-          <p:nvPr/>
-        </p:nvSpPr>
-        <p:spPr>
-          <a:xfrm>
-            <a:off x="3353995" y="1772816"/>
-            <a:ext cx="409062" cy="409062"/>
-          </a:xfrm>
-          <a:prstGeom prst="smileyFace">
-            <a:avLst/>
-          </a:prstGeom>
-        </p:spPr>
-        <p:style>
-          <a:lnRef idx="2">
-            <a:schemeClr val="accent1">
-              <a:shade val="50000"/>
-            </a:schemeClr>
-          </a:lnRef>
-          <a:fillRef idx="1">
-            <a:schemeClr val="accent1"/>
-          </a:fillRef>
-          <a:effectRef idx="0">
-            <a:schemeClr val="accent1"/>
-          </a:effectRef>
-          <a:fontRef idx="minor">
-            <a:schemeClr val="lt1"/>
-          </a:fontRef>
-        </p:style>
-        <p:txBody>
-          <a:bodyPr rtlCol="0" anchor="ctr"/>
-          <a:lstStyle/>
-          <a:p>
-            <a:pPr algn="ctr"/>
-            <a:endParaRPr lang="ko-KR" altLang="en-US"/>
-          </a:p>
-        </p:txBody>
-      </p:sp>
-      <p:sp>
-        <p:nvSpPr>
-          <p:cNvPr id="244" name="웃는 얼굴 243"/>
-          <p:cNvSpPr/>
-          <p:nvPr/>
-        </p:nvSpPr>
-        <p:spPr>
-          <a:xfrm>
-            <a:off x="107504" y="4100058"/>
-            <a:ext cx="409062" cy="409062"/>
-          </a:xfrm>
-          <a:prstGeom prst="smileyFace">
-            <a:avLst/>
-          </a:prstGeom>
-        </p:spPr>
-        <p:style>
-          <a:lnRef idx="2">
-            <a:schemeClr val="accent1">
-              <a:shade val="50000"/>
-            </a:schemeClr>
-          </a:lnRef>
-          <a:fillRef idx="1">
-            <a:schemeClr val="accent1"/>
-          </a:fillRef>
-          <a:effectRef idx="0">
-            <a:schemeClr val="accent1"/>
-          </a:effectRef>
-          <a:fontRef idx="minor">
-            <a:schemeClr val="lt1"/>
-          </a:fontRef>
-        </p:style>
-        <p:txBody>
-          <a:bodyPr rtlCol="0" anchor="ctr"/>
-          <a:lstStyle/>
-          <a:p>
-            <a:pPr algn="ctr"/>
-            <a:endParaRPr lang="ko-KR" altLang="en-US"/>
-          </a:p>
-        </p:txBody>
-      </p:sp>
     </p:spTree>
     <p:extLst>
       <p:ext uri="{BB962C8B-B14F-4D97-AF65-F5344CB8AC3E}">
